--- a/docs/diagrams/architecture.pptx
+++ b/docs/diagrams/architecture.pptx
@@ -156,10 +156,9 @@
           </a:lstStyle>
           <a:p>
             <a:r>
-              <a:rPr lang="en-US" smtClean="0"/>
+              <a:rPr lang="en-US"/>
               <a:t>Click to edit Master title style</a:t>
             </a:r>
-            <a:endParaRPr lang="en-US"/>
           </a:p>
         </p:txBody>
       </p:sp>
@@ -221,10 +220,9 @@
           </a:lstStyle>
           <a:p>
             <a:r>
-              <a:rPr lang="en-US" smtClean="0"/>
+              <a:rPr lang="en-US"/>
               <a:t>Click to edit Master subtitle style</a:t>
             </a:r>
-            <a:endParaRPr lang="en-US"/>
           </a:p>
         </p:txBody>
       </p:sp>
@@ -245,7 +243,7 @@
           <a:p>
             <a:fld id="{F4C5997A-E221-43A6-9AE7-DBA0CB9777B0}" type="datetimeFigureOut">
               <a:rPr lang="en-US" smtClean="0"/>
-              <a:t>7/2/2018</a:t>
+              <a:t>12/20/2018</a:t>
             </a:fld>
             <a:endParaRPr lang="en-US"/>
           </a:p>
@@ -339,10 +337,9 @@
           <a:lstStyle/>
           <a:p>
             <a:r>
-              <a:rPr lang="en-US" smtClean="0"/>
+              <a:rPr lang="en-US"/>
               <a:t>Click to edit Master title style</a:t>
             </a:r>
-            <a:endParaRPr lang="en-US"/>
           </a:p>
         </p:txBody>
       </p:sp>
@@ -363,38 +360,37 @@
           <a:p>
             <a:pPr lvl="0"/>
             <a:r>
-              <a:rPr lang="en-US" smtClean="0"/>
+              <a:rPr lang="en-US"/>
               <a:t>Click to edit Master text styles</a:t>
             </a:r>
           </a:p>
           <a:p>
             <a:pPr lvl="1"/>
             <a:r>
-              <a:rPr lang="en-US" smtClean="0"/>
+              <a:rPr lang="en-US"/>
               <a:t>Second level</a:t>
             </a:r>
           </a:p>
           <a:p>
             <a:pPr lvl="2"/>
             <a:r>
-              <a:rPr lang="en-US" smtClean="0"/>
+              <a:rPr lang="en-US"/>
               <a:t>Third level</a:t>
             </a:r>
           </a:p>
           <a:p>
             <a:pPr lvl="3"/>
             <a:r>
-              <a:rPr lang="en-US" smtClean="0"/>
+              <a:rPr lang="en-US"/>
               <a:t>Fourth level</a:t>
             </a:r>
           </a:p>
           <a:p>
             <a:pPr lvl="4"/>
             <a:r>
-              <a:rPr lang="en-US" smtClean="0"/>
+              <a:rPr lang="en-US"/>
               <a:t>Fifth level</a:t>
             </a:r>
-            <a:endParaRPr lang="en-US"/>
           </a:p>
         </p:txBody>
       </p:sp>
@@ -415,7 +411,7 @@
           <a:p>
             <a:fld id="{F4C5997A-E221-43A6-9AE7-DBA0CB9777B0}" type="datetimeFigureOut">
               <a:rPr lang="en-US" smtClean="0"/>
-              <a:t>7/2/2018</a:t>
+              <a:t>12/20/2018</a:t>
             </a:fld>
             <a:endParaRPr lang="en-US"/>
           </a:p>
@@ -514,10 +510,9 @@
           <a:lstStyle/>
           <a:p>
             <a:r>
-              <a:rPr lang="en-US" smtClean="0"/>
+              <a:rPr lang="en-US"/>
               <a:t>Click to edit Master title style</a:t>
             </a:r>
-            <a:endParaRPr lang="en-US"/>
           </a:p>
         </p:txBody>
       </p:sp>
@@ -543,38 +538,37 @@
           <a:p>
             <a:pPr lvl="0"/>
             <a:r>
-              <a:rPr lang="en-US" smtClean="0"/>
+              <a:rPr lang="en-US"/>
               <a:t>Click to edit Master text styles</a:t>
             </a:r>
           </a:p>
           <a:p>
             <a:pPr lvl="1"/>
             <a:r>
-              <a:rPr lang="en-US" smtClean="0"/>
+              <a:rPr lang="en-US"/>
               <a:t>Second level</a:t>
             </a:r>
           </a:p>
           <a:p>
             <a:pPr lvl="2"/>
             <a:r>
-              <a:rPr lang="en-US" smtClean="0"/>
+              <a:rPr lang="en-US"/>
               <a:t>Third level</a:t>
             </a:r>
           </a:p>
           <a:p>
             <a:pPr lvl="3"/>
             <a:r>
-              <a:rPr lang="en-US" smtClean="0"/>
+              <a:rPr lang="en-US"/>
               <a:t>Fourth level</a:t>
             </a:r>
           </a:p>
           <a:p>
             <a:pPr lvl="4"/>
             <a:r>
-              <a:rPr lang="en-US" smtClean="0"/>
+              <a:rPr lang="en-US"/>
               <a:t>Fifth level</a:t>
             </a:r>
-            <a:endParaRPr lang="en-US"/>
           </a:p>
         </p:txBody>
       </p:sp>
@@ -595,7 +589,7 @@
           <a:p>
             <a:fld id="{F4C5997A-E221-43A6-9AE7-DBA0CB9777B0}" type="datetimeFigureOut">
               <a:rPr lang="en-US" smtClean="0"/>
-              <a:t>7/2/2018</a:t>
+              <a:t>12/20/2018</a:t>
             </a:fld>
             <a:endParaRPr lang="en-US"/>
           </a:p>
@@ -689,10 +683,9 @@
           <a:lstStyle/>
           <a:p>
             <a:r>
-              <a:rPr lang="en-US" smtClean="0"/>
+              <a:rPr lang="en-US"/>
               <a:t>Click to edit Master title style</a:t>
             </a:r>
-            <a:endParaRPr lang="en-US"/>
           </a:p>
         </p:txBody>
       </p:sp>
@@ -713,38 +706,37 @@
           <a:p>
             <a:pPr lvl="0"/>
             <a:r>
-              <a:rPr lang="en-US" smtClean="0"/>
+              <a:rPr lang="en-US"/>
               <a:t>Click to edit Master text styles</a:t>
             </a:r>
           </a:p>
           <a:p>
             <a:pPr lvl="1"/>
             <a:r>
-              <a:rPr lang="en-US" smtClean="0"/>
+              <a:rPr lang="en-US"/>
               <a:t>Second level</a:t>
             </a:r>
           </a:p>
           <a:p>
             <a:pPr lvl="2"/>
             <a:r>
-              <a:rPr lang="en-US" smtClean="0"/>
+              <a:rPr lang="en-US"/>
               <a:t>Third level</a:t>
             </a:r>
           </a:p>
           <a:p>
             <a:pPr lvl="3"/>
             <a:r>
-              <a:rPr lang="en-US" smtClean="0"/>
+              <a:rPr lang="en-US"/>
               <a:t>Fourth level</a:t>
             </a:r>
           </a:p>
           <a:p>
             <a:pPr lvl="4"/>
             <a:r>
-              <a:rPr lang="en-US" smtClean="0"/>
+              <a:rPr lang="en-US"/>
               <a:t>Fifth level</a:t>
             </a:r>
-            <a:endParaRPr lang="en-US"/>
           </a:p>
         </p:txBody>
       </p:sp>
@@ -765,7 +757,7 @@
           <a:p>
             <a:fld id="{F4C5997A-E221-43A6-9AE7-DBA0CB9777B0}" type="datetimeFigureOut">
               <a:rPr lang="en-US" smtClean="0"/>
-              <a:t>7/2/2018</a:t>
+              <a:t>12/20/2018</a:t>
             </a:fld>
             <a:endParaRPr lang="en-US"/>
           </a:p>
@@ -868,10 +860,9 @@
           </a:lstStyle>
           <a:p>
             <a:r>
-              <a:rPr lang="en-US" smtClean="0"/>
+              <a:rPr lang="en-US"/>
               <a:t>Click to edit Master title style</a:t>
             </a:r>
-            <a:endParaRPr lang="en-US"/>
           </a:p>
         </p:txBody>
       </p:sp>
@@ -988,7 +979,7 @@
           <a:p>
             <a:pPr lvl="0"/>
             <a:r>
-              <a:rPr lang="en-US" smtClean="0"/>
+              <a:rPr lang="en-US"/>
               <a:t>Click to edit Master text styles</a:t>
             </a:r>
           </a:p>
@@ -1011,7 +1002,7 @@
           <a:p>
             <a:fld id="{F4C5997A-E221-43A6-9AE7-DBA0CB9777B0}" type="datetimeFigureOut">
               <a:rPr lang="en-US" smtClean="0"/>
-              <a:t>7/2/2018</a:t>
+              <a:t>12/20/2018</a:t>
             </a:fld>
             <a:endParaRPr lang="en-US"/>
           </a:p>
@@ -1105,10 +1096,9 @@
           <a:lstStyle/>
           <a:p>
             <a:r>
-              <a:rPr lang="en-US" smtClean="0"/>
+              <a:rPr lang="en-US"/>
               <a:t>Click to edit Master title style</a:t>
             </a:r>
-            <a:endParaRPr lang="en-US"/>
           </a:p>
         </p:txBody>
       </p:sp>
@@ -1134,38 +1124,37 @@
           <a:p>
             <a:pPr lvl="0"/>
             <a:r>
-              <a:rPr lang="en-US" smtClean="0"/>
+              <a:rPr lang="en-US"/>
               <a:t>Click to edit Master text styles</a:t>
             </a:r>
           </a:p>
           <a:p>
             <a:pPr lvl="1"/>
             <a:r>
-              <a:rPr lang="en-US" smtClean="0"/>
+              <a:rPr lang="en-US"/>
               <a:t>Second level</a:t>
             </a:r>
           </a:p>
           <a:p>
             <a:pPr lvl="2"/>
             <a:r>
-              <a:rPr lang="en-US" smtClean="0"/>
+              <a:rPr lang="en-US"/>
               <a:t>Third level</a:t>
             </a:r>
           </a:p>
           <a:p>
             <a:pPr lvl="3"/>
             <a:r>
-              <a:rPr lang="en-US" smtClean="0"/>
+              <a:rPr lang="en-US"/>
               <a:t>Fourth level</a:t>
             </a:r>
           </a:p>
           <a:p>
             <a:pPr lvl="4"/>
             <a:r>
-              <a:rPr lang="en-US" smtClean="0"/>
+              <a:rPr lang="en-US"/>
               <a:t>Fifth level</a:t>
             </a:r>
-            <a:endParaRPr lang="en-US"/>
           </a:p>
         </p:txBody>
       </p:sp>
@@ -1191,38 +1180,37 @@
           <a:p>
             <a:pPr lvl="0"/>
             <a:r>
-              <a:rPr lang="en-US" smtClean="0"/>
+              <a:rPr lang="en-US"/>
               <a:t>Click to edit Master text styles</a:t>
             </a:r>
           </a:p>
           <a:p>
             <a:pPr lvl="1"/>
             <a:r>
-              <a:rPr lang="en-US" smtClean="0"/>
+              <a:rPr lang="en-US"/>
               <a:t>Second level</a:t>
             </a:r>
           </a:p>
           <a:p>
             <a:pPr lvl="2"/>
             <a:r>
-              <a:rPr lang="en-US" smtClean="0"/>
+              <a:rPr lang="en-US"/>
               <a:t>Third level</a:t>
             </a:r>
           </a:p>
           <a:p>
             <a:pPr lvl="3"/>
             <a:r>
-              <a:rPr lang="en-US" smtClean="0"/>
+              <a:rPr lang="en-US"/>
               <a:t>Fourth level</a:t>
             </a:r>
           </a:p>
           <a:p>
             <a:pPr lvl="4"/>
             <a:r>
-              <a:rPr lang="en-US" smtClean="0"/>
+              <a:rPr lang="en-US"/>
               <a:t>Fifth level</a:t>
             </a:r>
-            <a:endParaRPr lang="en-US"/>
           </a:p>
         </p:txBody>
       </p:sp>
@@ -1243,7 +1231,7 @@
           <a:p>
             <a:fld id="{F4C5997A-E221-43A6-9AE7-DBA0CB9777B0}" type="datetimeFigureOut">
               <a:rPr lang="en-US" smtClean="0"/>
-              <a:t>7/2/2018</a:t>
+              <a:t>12/20/2018</a:t>
             </a:fld>
             <a:endParaRPr lang="en-US"/>
           </a:p>
@@ -1342,10 +1330,9 @@
           <a:lstStyle/>
           <a:p>
             <a:r>
-              <a:rPr lang="en-US" smtClean="0"/>
+              <a:rPr lang="en-US"/>
               <a:t>Click to edit Master title style</a:t>
             </a:r>
-            <a:endParaRPr lang="en-US"/>
           </a:p>
         </p:txBody>
       </p:sp>
@@ -1408,7 +1395,7 @@
           <a:p>
             <a:pPr lvl="0"/>
             <a:r>
-              <a:rPr lang="en-US" smtClean="0"/>
+              <a:rPr lang="en-US"/>
               <a:t>Click to edit Master text styles</a:t>
             </a:r>
           </a:p>
@@ -1436,38 +1423,37 @@
           <a:p>
             <a:pPr lvl="0"/>
             <a:r>
-              <a:rPr lang="en-US" smtClean="0"/>
+              <a:rPr lang="en-US"/>
               <a:t>Click to edit Master text styles</a:t>
             </a:r>
           </a:p>
           <a:p>
             <a:pPr lvl="1"/>
             <a:r>
-              <a:rPr lang="en-US" smtClean="0"/>
+              <a:rPr lang="en-US"/>
               <a:t>Second level</a:t>
             </a:r>
           </a:p>
           <a:p>
             <a:pPr lvl="2"/>
             <a:r>
-              <a:rPr lang="en-US" smtClean="0"/>
+              <a:rPr lang="en-US"/>
               <a:t>Third level</a:t>
             </a:r>
           </a:p>
           <a:p>
             <a:pPr lvl="3"/>
             <a:r>
-              <a:rPr lang="en-US" smtClean="0"/>
+              <a:rPr lang="en-US"/>
               <a:t>Fourth level</a:t>
             </a:r>
           </a:p>
           <a:p>
             <a:pPr lvl="4"/>
             <a:r>
-              <a:rPr lang="en-US" smtClean="0"/>
+              <a:rPr lang="en-US"/>
               <a:t>Fifth level</a:t>
             </a:r>
-            <a:endParaRPr lang="en-US"/>
           </a:p>
         </p:txBody>
       </p:sp>
@@ -1530,7 +1516,7 @@
           <a:p>
             <a:pPr lvl="0"/>
             <a:r>
-              <a:rPr lang="en-US" smtClean="0"/>
+              <a:rPr lang="en-US"/>
               <a:t>Click to edit Master text styles</a:t>
             </a:r>
           </a:p>
@@ -1558,38 +1544,37 @@
           <a:p>
             <a:pPr lvl="0"/>
             <a:r>
-              <a:rPr lang="en-US" smtClean="0"/>
+              <a:rPr lang="en-US"/>
               <a:t>Click to edit Master text styles</a:t>
             </a:r>
           </a:p>
           <a:p>
             <a:pPr lvl="1"/>
             <a:r>
-              <a:rPr lang="en-US" smtClean="0"/>
+              <a:rPr lang="en-US"/>
               <a:t>Second level</a:t>
             </a:r>
           </a:p>
           <a:p>
             <a:pPr lvl="2"/>
             <a:r>
-              <a:rPr lang="en-US" smtClean="0"/>
+              <a:rPr lang="en-US"/>
               <a:t>Third level</a:t>
             </a:r>
           </a:p>
           <a:p>
             <a:pPr lvl="3"/>
             <a:r>
-              <a:rPr lang="en-US" smtClean="0"/>
+              <a:rPr lang="en-US"/>
               <a:t>Fourth level</a:t>
             </a:r>
           </a:p>
           <a:p>
             <a:pPr lvl="4"/>
             <a:r>
-              <a:rPr lang="en-US" smtClean="0"/>
+              <a:rPr lang="en-US"/>
               <a:t>Fifth level</a:t>
             </a:r>
-            <a:endParaRPr lang="en-US"/>
           </a:p>
         </p:txBody>
       </p:sp>
@@ -1610,7 +1595,7 @@
           <a:p>
             <a:fld id="{F4C5997A-E221-43A6-9AE7-DBA0CB9777B0}" type="datetimeFigureOut">
               <a:rPr lang="en-US" smtClean="0"/>
-              <a:t>7/2/2018</a:t>
+              <a:t>12/20/2018</a:t>
             </a:fld>
             <a:endParaRPr lang="en-US"/>
           </a:p>
@@ -1704,10 +1689,9 @@
           <a:lstStyle/>
           <a:p>
             <a:r>
-              <a:rPr lang="en-US" smtClean="0"/>
+              <a:rPr lang="en-US"/>
               <a:t>Click to edit Master title style</a:t>
             </a:r>
-            <a:endParaRPr lang="en-US"/>
           </a:p>
         </p:txBody>
       </p:sp>
@@ -1728,7 +1712,7 @@
           <a:p>
             <a:fld id="{F4C5997A-E221-43A6-9AE7-DBA0CB9777B0}" type="datetimeFigureOut">
               <a:rPr lang="en-US" smtClean="0"/>
-              <a:t>7/2/2018</a:t>
+              <a:t>12/20/2018</a:t>
             </a:fld>
             <a:endParaRPr lang="en-US"/>
           </a:p>
@@ -1823,7 +1807,7 @@
           <a:p>
             <a:fld id="{F4C5997A-E221-43A6-9AE7-DBA0CB9777B0}" type="datetimeFigureOut">
               <a:rPr lang="en-US" smtClean="0"/>
-              <a:t>7/2/2018</a:t>
+              <a:t>12/20/2018</a:t>
             </a:fld>
             <a:endParaRPr lang="en-US"/>
           </a:p>
@@ -1926,10 +1910,9 @@
           </a:lstStyle>
           <a:p>
             <a:r>
-              <a:rPr lang="en-US" smtClean="0"/>
+              <a:rPr lang="en-US"/>
               <a:t>Click to edit Master title style</a:t>
             </a:r>
-            <a:endParaRPr lang="en-US"/>
           </a:p>
         </p:txBody>
       </p:sp>
@@ -1983,38 +1966,37 @@
           <a:p>
             <a:pPr lvl="0"/>
             <a:r>
-              <a:rPr lang="en-US" smtClean="0"/>
+              <a:rPr lang="en-US"/>
               <a:t>Click to edit Master text styles</a:t>
             </a:r>
           </a:p>
           <a:p>
             <a:pPr lvl="1"/>
             <a:r>
-              <a:rPr lang="en-US" smtClean="0"/>
+              <a:rPr lang="en-US"/>
               <a:t>Second level</a:t>
             </a:r>
           </a:p>
           <a:p>
             <a:pPr lvl="2"/>
             <a:r>
-              <a:rPr lang="en-US" smtClean="0"/>
+              <a:rPr lang="en-US"/>
               <a:t>Third level</a:t>
             </a:r>
           </a:p>
           <a:p>
             <a:pPr lvl="3"/>
             <a:r>
-              <a:rPr lang="en-US" smtClean="0"/>
+              <a:rPr lang="en-US"/>
               <a:t>Fourth level</a:t>
             </a:r>
           </a:p>
           <a:p>
             <a:pPr lvl="4"/>
             <a:r>
-              <a:rPr lang="en-US" smtClean="0"/>
+              <a:rPr lang="en-US"/>
               <a:t>Fifth level</a:t>
             </a:r>
-            <a:endParaRPr lang="en-US"/>
           </a:p>
         </p:txBody>
       </p:sp>
@@ -2077,7 +2059,7 @@
           <a:p>
             <a:pPr lvl="0"/>
             <a:r>
-              <a:rPr lang="en-US" smtClean="0"/>
+              <a:rPr lang="en-US"/>
               <a:t>Click to edit Master text styles</a:t>
             </a:r>
           </a:p>
@@ -2100,7 +2082,7 @@
           <a:p>
             <a:fld id="{F4C5997A-E221-43A6-9AE7-DBA0CB9777B0}" type="datetimeFigureOut">
               <a:rPr lang="en-US" smtClean="0"/>
-              <a:t>7/2/2018</a:t>
+              <a:t>12/20/2018</a:t>
             </a:fld>
             <a:endParaRPr lang="en-US"/>
           </a:p>
@@ -2203,10 +2185,9 @@
           </a:lstStyle>
           <a:p>
             <a:r>
-              <a:rPr lang="en-US" smtClean="0"/>
+              <a:rPr lang="en-US"/>
               <a:t>Click to edit Master title style</a:t>
             </a:r>
-            <a:endParaRPr lang="en-US"/>
           </a:p>
         </p:txBody>
       </p:sp>
@@ -2330,7 +2311,7 @@
           <a:p>
             <a:pPr lvl="0"/>
             <a:r>
-              <a:rPr lang="en-US" smtClean="0"/>
+              <a:rPr lang="en-US"/>
               <a:t>Click to edit Master text styles</a:t>
             </a:r>
           </a:p>
@@ -2353,7 +2334,7 @@
           <a:p>
             <a:fld id="{F4C5997A-E221-43A6-9AE7-DBA0CB9777B0}" type="datetimeFigureOut">
               <a:rPr lang="en-US" smtClean="0"/>
-              <a:t>7/2/2018</a:t>
+              <a:t>12/20/2018</a:t>
             </a:fld>
             <a:endParaRPr lang="en-US"/>
           </a:p>
@@ -2462,10 +2443,9 @@
           <a:lstStyle/>
           <a:p>
             <a:r>
-              <a:rPr lang="en-US" smtClean="0"/>
+              <a:rPr lang="en-US"/>
               <a:t>Click to edit Master title style</a:t>
             </a:r>
-            <a:endParaRPr lang="en-US"/>
           </a:p>
         </p:txBody>
       </p:sp>
@@ -2496,38 +2476,37 @@
           <a:p>
             <a:pPr lvl="0"/>
             <a:r>
-              <a:rPr lang="en-US" smtClean="0"/>
+              <a:rPr lang="en-US"/>
               <a:t>Click to edit Master text styles</a:t>
             </a:r>
           </a:p>
           <a:p>
             <a:pPr lvl="1"/>
             <a:r>
-              <a:rPr lang="en-US" smtClean="0"/>
+              <a:rPr lang="en-US"/>
               <a:t>Second level</a:t>
             </a:r>
           </a:p>
           <a:p>
             <a:pPr lvl="2"/>
             <a:r>
-              <a:rPr lang="en-US" smtClean="0"/>
+              <a:rPr lang="en-US"/>
               <a:t>Third level</a:t>
             </a:r>
           </a:p>
           <a:p>
             <a:pPr lvl="3"/>
             <a:r>
-              <a:rPr lang="en-US" smtClean="0"/>
+              <a:rPr lang="en-US"/>
               <a:t>Fourth level</a:t>
             </a:r>
           </a:p>
           <a:p>
             <a:pPr lvl="4"/>
             <a:r>
-              <a:rPr lang="en-US" smtClean="0"/>
+              <a:rPr lang="en-US"/>
               <a:t>Fifth level</a:t>
             </a:r>
-            <a:endParaRPr lang="en-US"/>
           </a:p>
         </p:txBody>
       </p:sp>
@@ -2566,7 +2545,7 @@
           <a:p>
             <a:fld id="{F4C5997A-E221-43A6-9AE7-DBA0CB9777B0}" type="datetimeFigureOut">
               <a:rPr lang="en-US" smtClean="0"/>
-              <a:t>7/2/2018</a:t>
+              <a:t>12/20/2018</a:t>
             </a:fld>
             <a:endParaRPr lang="en-US"/>
           </a:p>
@@ -2987,7 +2966,7 @@
           <a:lstStyle/>
           <a:p>
             <a:r>
-              <a:rPr lang="en-US" dirty="0" err="1" smtClean="0"/>
+              <a:rPr lang="en-US" dirty="0" err="1"/>
               <a:t>RepoSense</a:t>
             </a:r>
             <a:endParaRPr lang="en-US" dirty="0"/>
@@ -3023,13 +3002,6 @@
   <p:clrMapOvr>
     <a:masterClrMapping/>
   </p:clrMapOvr>
-  <p:timing>
-    <p:tnLst>
-      <p:par>
-        <p:cTn id="1" dur="indefinite" restart="never" nodeType="tmRoot"/>
-      </p:par>
-    </p:tnLst>
-  </p:timing>
 </p:sld>
 </file>
 
@@ -3066,10 +3038,9 @@
           <a:lstStyle/>
           <a:p>
             <a:r>
-              <a:rPr lang="en-US" dirty="0" smtClean="0"/>
+              <a:rPr lang="en-US" dirty="0"/>
               <a:t>Architecture Goals</a:t>
             </a:r>
-            <a:endParaRPr lang="en-US" dirty="0"/>
           </a:p>
         </p:txBody>
       </p:sp>
@@ -3086,7 +3057,7 @@
         <p:spPr/>
         <p:txBody>
           <a:bodyPr>
-            <a:normAutofit fontScale="92500"/>
+            <a:normAutofit lnSpcReduction="10000"/>
           </a:bodyPr>
           <a:lstStyle/>
           <a:p>
@@ -3097,13 +3068,8 @@
             </a:pPr>
             <a:r>
               <a:rPr lang="en-US" dirty="0"/>
-              <a:t>Allow </a:t>
-            </a:r>
-            <a:r>
-              <a:rPr lang="en-US" dirty="0" smtClean="0"/>
-              <a:t>concurrency during processing</a:t>
-            </a:r>
-            <a:endParaRPr lang="en-US" dirty="0"/>
+              <a:t>Allow concurrency during processing</a:t>
+            </a:r>
           </a:p>
           <a:p>
             <a:pPr marL="457200" lvl="1" indent="0">
@@ -3114,17 +3080,9 @@
             </a:pPr>
             <a:r>
               <a:rPr lang="en-US" dirty="0"/>
-              <a:t>→ </a:t>
-            </a:r>
-            <a:r>
-              <a:rPr lang="en-US" dirty="0" smtClean="0"/>
-              <a:t>per-unit (e.g., per-person/file/repo/commit …),  </a:t>
-            </a:r>
-            <a:r>
-              <a:rPr lang="en-US" dirty="0"/>
-              <a:t>processing as much as possible</a:t>
-            </a:r>
-            <a:endParaRPr lang="en-US" b="0" dirty="0" smtClean="0">
+              <a:t>→ per-unit (e.g., per-person/file/repo/commit …),  processing as much as possible</a:t>
+            </a:r>
+            <a:endParaRPr lang="en-US" b="0" dirty="0">
               <a:effectLst/>
             </a:endParaRPr>
           </a:p>
@@ -3148,15 +3106,7 @@
             </a:pPr>
             <a:r>
               <a:rPr lang="en-US" dirty="0"/>
-              <a:t>→ </a:t>
-            </a:r>
-            <a:r>
-              <a:rPr lang="en-US" dirty="0" smtClean="0"/>
-              <a:t>per-unit </a:t>
-            </a:r>
-            <a:r>
-              <a:rPr lang="en-US" dirty="0"/>
-              <a:t>processing as much as possible</a:t>
+              <a:t>→ per-unit processing as much as possible</a:t>
             </a:r>
           </a:p>
           <a:p>
@@ -3179,21 +3129,8 @@
             </a:pPr>
             <a:r>
               <a:rPr lang="en-US" dirty="0"/>
-              <a:t>→ </a:t>
-            </a:r>
-            <a:r>
-              <a:rPr lang="en-US" dirty="0" smtClean="0"/>
-              <a:t>Loosely-coupled </a:t>
-            </a:r>
-            <a:r>
-              <a:rPr lang="en-US" dirty="0"/>
-              <a:t>pipes/filters-type </a:t>
-            </a:r>
-            <a:r>
-              <a:rPr lang="en-US" dirty="0" smtClean="0"/>
-              <a:t>components</a:t>
-            </a:r>
-            <a:endParaRPr lang="en-US" dirty="0"/>
+              <a:t>→ Loosely-coupled pipes/filters-type components</a:t>
+            </a:r>
           </a:p>
         </p:txBody>
       </p:sp>
@@ -3610,7 +3547,7 @@
           <a:p>
             <a:pPr algn="ctr"/>
             <a:r>
-              <a:rPr lang="en-US" sz="1200" dirty="0" err="1" smtClean="0"/>
+              <a:rPr lang="en-US" sz="1200" dirty="0" err="1"/>
               <a:t>ConfigParser</a:t>
             </a:r>
             <a:endParaRPr lang="en-US" sz="1200" dirty="0"/>
@@ -3662,21 +3599,16 @@
           <a:p>
             <a:pPr algn="ctr"/>
             <a:r>
-              <a:rPr lang="en-US" sz="1200" dirty="0" err="1" smtClean="0"/>
+              <a:rPr lang="en-US" sz="1200" dirty="0"/>
               <a:t>Git</a:t>
             </a:r>
-            <a:r>
-              <a:rPr lang="en-US" sz="1200" dirty="0" smtClean="0"/>
-              <a:t/>
-            </a:r>
             <a:br>
-              <a:rPr lang="en-US" sz="1200" dirty="0" smtClean="0"/>
+              <a:rPr lang="en-US" sz="1200" dirty="0"/>
             </a:br>
             <a:r>
-              <a:rPr lang="en-US" sz="1200" dirty="0" smtClean="0"/>
-              <a:t>Downloader</a:t>
-            </a:r>
-            <a:endParaRPr lang="en-US" sz="1200" dirty="0"/>
+              <a:rPr lang="en-US" sz="1200" dirty="0"/>
+              <a:t>Clone</a:t>
+            </a:r>
           </a:p>
         </p:txBody>
       </p:sp>
@@ -3725,21 +3657,16 @@
           <a:p>
             <a:pPr algn="ctr"/>
             <a:r>
-              <a:rPr lang="en-US" sz="1200" dirty="0" err="1" smtClean="0"/>
+              <a:rPr lang="en-US" sz="1200" dirty="0" err="1"/>
               <a:t>CommitInfo</a:t>
             </a:r>
-            <a:r>
-              <a:rPr lang="en-US" sz="1200" dirty="0" smtClean="0"/>
-              <a:t/>
-            </a:r>
             <a:br>
-              <a:rPr lang="en-US" sz="1200" dirty="0" smtClean="0"/>
+              <a:rPr lang="en-US" sz="1200" dirty="0"/>
             </a:br>
             <a:r>
-              <a:rPr lang="en-US" sz="1200" dirty="0" smtClean="0"/>
+              <a:rPr lang="en-US" sz="1200" dirty="0"/>
               <a:t>Extractor</a:t>
             </a:r>
-            <a:endParaRPr lang="en-US" sz="1200" dirty="0"/>
           </a:p>
         </p:txBody>
       </p:sp>
@@ -3788,21 +3715,16 @@
           <a:p>
             <a:pPr algn="ctr"/>
             <a:r>
-              <a:rPr lang="en-US" sz="1200" dirty="0" err="1" smtClean="0"/>
+              <a:rPr lang="en-US" sz="1200" dirty="0" err="1"/>
               <a:t>CommitInfo</a:t>
             </a:r>
-            <a:r>
-              <a:rPr lang="en-US" sz="1200" dirty="0" smtClean="0"/>
-              <a:t/>
-            </a:r>
             <a:br>
-              <a:rPr lang="en-US" sz="1200" dirty="0" smtClean="0"/>
+              <a:rPr lang="en-US" sz="1200" dirty="0"/>
             </a:br>
             <a:r>
-              <a:rPr lang="en-US" sz="1200" dirty="0" smtClean="0"/>
+              <a:rPr lang="en-US" sz="1200" dirty="0"/>
               <a:t>Analyzer</a:t>
             </a:r>
-            <a:endParaRPr lang="en-US" sz="1200" dirty="0"/>
           </a:p>
         </p:txBody>
       </p:sp>
@@ -3851,21 +3773,16 @@
           <a:p>
             <a:pPr algn="ctr"/>
             <a:r>
-              <a:rPr lang="en-US" sz="1200" dirty="0" err="1" smtClean="0"/>
+              <a:rPr lang="en-US" sz="1200" dirty="0" err="1"/>
               <a:t>CommitResults</a:t>
             </a:r>
-            <a:r>
-              <a:rPr lang="en-US" sz="1200" dirty="0" smtClean="0"/>
-              <a:t/>
-            </a:r>
             <a:br>
-              <a:rPr lang="en-US" sz="1200" dirty="0" smtClean="0"/>
+              <a:rPr lang="en-US" sz="1200" dirty="0"/>
             </a:br>
             <a:r>
-              <a:rPr lang="en-US" sz="1200" dirty="0" smtClean="0"/>
+              <a:rPr lang="en-US" sz="1200" dirty="0"/>
               <a:t>Aggregator</a:t>
             </a:r>
-            <a:endParaRPr lang="en-US" sz="1200" dirty="0"/>
           </a:p>
         </p:txBody>
       </p:sp>
@@ -4021,17 +3938,16 @@
             <a:p>
               <a:pPr algn="ctr"/>
               <a:r>
-                <a:rPr lang="en-US" sz="1200" dirty="0" smtClean="0"/>
+                <a:rPr lang="en-US" sz="1200" dirty="0"/>
                 <a:t>Dashboard</a:t>
               </a:r>
               <a:br>
-                <a:rPr lang="en-US" sz="1200" dirty="0" smtClean="0"/>
+                <a:rPr lang="en-US" sz="1200" dirty="0"/>
               </a:br>
               <a:r>
-                <a:rPr lang="en-US" sz="1200" dirty="0" smtClean="0"/>
+                <a:rPr lang="en-US" sz="1200" dirty="0"/>
                 <a:t>(HTML, CSS, JS)</a:t>
               </a:r>
-              <a:endParaRPr lang="en-US" sz="1200" dirty="0"/>
             </a:p>
           </p:txBody>
         </p:sp>
@@ -4081,7 +3997,7 @@
           <a:p>
             <a:pPr algn="ctr"/>
             <a:r>
-              <a:rPr lang="en-US" sz="1200" dirty="0" err="1" smtClean="0"/>
+              <a:rPr lang="en-US" sz="1200" dirty="0" err="1"/>
               <a:t>ResultsAggregator</a:t>
             </a:r>
             <a:endParaRPr lang="en-US" sz="1200" dirty="0"/>
@@ -4243,14 +4159,13 @@
             <a:p>
               <a:pPr algn="ctr"/>
               <a:r>
-                <a:rPr lang="en-US" sz="1200" dirty="0" err="1" smtClean="0"/>
+                <a:rPr lang="en-US" sz="1200" dirty="0" err="1"/>
                 <a:t>Config</a:t>
               </a:r>
               <a:r>
-                <a:rPr lang="en-US" sz="1200" dirty="0" smtClean="0"/>
+                <a:rPr lang="en-US" sz="1200" dirty="0"/>
                 <a:t> files (csv, JSON)</a:t>
               </a:r>
-              <a:endParaRPr lang="en-US" sz="1200" dirty="0"/>
             </a:p>
           </p:txBody>
         </p:sp>
@@ -4279,7 +4194,7 @@
           <a:p>
             <a:pPr algn="r"/>
             <a:r>
-              <a:rPr lang="en-US" sz="1100" dirty="0" smtClean="0">
+              <a:rPr lang="en-US" sz="1100" dirty="0">
                 <a:solidFill>
                   <a:srgbClr val="7030A0"/>
                 </a:solidFill>
@@ -4288,7 +4203,7 @@
               <a:t>CLI </a:t>
             </a:r>
             <a:r>
-              <a:rPr lang="en-US" sz="1100" dirty="0" err="1" smtClean="0">
+              <a:rPr lang="en-US" sz="1100" dirty="0" err="1">
                 <a:solidFill>
                   <a:srgbClr val="7030A0"/>
                 </a:solidFill>
@@ -4424,7 +4339,7 @@
           <a:p>
             <a:pPr algn="ctr"/>
             <a:r>
-              <a:rPr lang="en-US" sz="1200" dirty="0" err="1" smtClean="0"/>
+              <a:rPr lang="en-US" sz="1200" dirty="0" err="1"/>
               <a:t>Config</a:t>
             </a:r>
             <a:endParaRPr lang="en-US" sz="1200" dirty="0"/>
@@ -4660,10 +4575,9 @@
             <a:p>
               <a:pPr algn="ctr"/>
               <a:r>
-                <a:rPr lang="en-US" sz="1200" dirty="0" smtClean="0"/>
+                <a:rPr lang="en-US" sz="1200" dirty="0"/>
                 <a:t>Repos</a:t>
               </a:r>
-              <a:endParaRPr lang="en-US" sz="1200" dirty="0"/>
             </a:p>
           </p:txBody>
         </p:sp>
@@ -4897,10 +4811,9 @@
             <a:p>
               <a:pPr algn="ctr"/>
               <a:r>
-                <a:rPr lang="en-US" sz="1200" dirty="0" smtClean="0"/>
+                <a:rPr lang="en-US" sz="1200" dirty="0"/>
                 <a:t>Commit Info</a:t>
               </a:r>
-              <a:endParaRPr lang="en-US" sz="1200" dirty="0"/>
             </a:p>
           </p:txBody>
         </p:sp>
@@ -5134,10 +5047,9 @@
             <a:p>
               <a:pPr algn="ctr"/>
               <a:r>
-                <a:rPr lang="en-US" sz="1200" dirty="0" smtClean="0"/>
+                <a:rPr lang="en-US" sz="1200" dirty="0"/>
                 <a:t>Commit results</a:t>
               </a:r>
-              <a:endParaRPr lang="en-US" sz="1200" dirty="0"/>
             </a:p>
           </p:txBody>
         </p:sp>
@@ -5371,10 +5283,9 @@
             <a:p>
               <a:pPr algn="ctr"/>
               <a:r>
-                <a:rPr lang="en-US" sz="1200" dirty="0" smtClean="0"/>
+                <a:rPr lang="en-US" sz="1200" dirty="0"/>
                 <a:t>Per-unit results </a:t>
               </a:r>
-              <a:endParaRPr lang="en-US" sz="1200" dirty="0"/>
             </a:p>
           </p:txBody>
         </p:sp>
@@ -5461,21 +5372,16 @@
           <a:p>
             <a:pPr algn="ctr"/>
             <a:r>
-              <a:rPr lang="en-US" sz="1200" dirty="0" err="1" smtClean="0"/>
+              <a:rPr lang="en-US" sz="1200" dirty="0" err="1"/>
               <a:t>FileInfo</a:t>
             </a:r>
-            <a:r>
-              <a:rPr lang="en-US" sz="1200" dirty="0" smtClean="0"/>
-              <a:t/>
-            </a:r>
             <a:br>
-              <a:rPr lang="en-US" sz="1200" dirty="0" smtClean="0"/>
+              <a:rPr lang="en-US" sz="1200" dirty="0"/>
             </a:br>
             <a:r>
-              <a:rPr lang="en-US" sz="1200" dirty="0" smtClean="0"/>
+              <a:rPr lang="en-US" sz="1200" dirty="0"/>
               <a:t>Extractor</a:t>
             </a:r>
-            <a:endParaRPr lang="en-US" sz="1200" dirty="0"/>
           </a:p>
         </p:txBody>
       </p:sp>
@@ -5524,21 +5430,16 @@
           <a:p>
             <a:pPr algn="ctr"/>
             <a:r>
-              <a:rPr lang="en-US" sz="1200" dirty="0" err="1" smtClean="0"/>
+              <a:rPr lang="en-US" sz="1200" dirty="0" err="1"/>
               <a:t>FileInfo</a:t>
             </a:r>
-            <a:r>
-              <a:rPr lang="en-US" sz="1200" dirty="0" smtClean="0"/>
-              <a:t/>
-            </a:r>
             <a:br>
-              <a:rPr lang="en-US" sz="1200" dirty="0" smtClean="0"/>
+              <a:rPr lang="en-US" sz="1200" dirty="0"/>
             </a:br>
             <a:r>
-              <a:rPr lang="en-US" sz="1200" dirty="0" smtClean="0"/>
+              <a:rPr lang="en-US" sz="1200" dirty="0"/>
               <a:t>Analyzer</a:t>
             </a:r>
-            <a:endParaRPr lang="en-US" sz="1200" dirty="0"/>
           </a:p>
         </p:txBody>
       </p:sp>
@@ -5587,21 +5488,16 @@
           <a:p>
             <a:pPr algn="ctr"/>
             <a:r>
-              <a:rPr lang="en-US" sz="1200" dirty="0" err="1" smtClean="0"/>
+              <a:rPr lang="en-US" sz="1200" dirty="0" err="1"/>
               <a:t>FileResults</a:t>
             </a:r>
-            <a:r>
-              <a:rPr lang="en-US" sz="1200" dirty="0" smtClean="0"/>
-              <a:t/>
-            </a:r>
             <a:br>
-              <a:rPr lang="en-US" sz="1200" dirty="0" smtClean="0"/>
+              <a:rPr lang="en-US" sz="1200" dirty="0"/>
             </a:br>
             <a:r>
-              <a:rPr lang="en-US" sz="1200" dirty="0" smtClean="0"/>
+              <a:rPr lang="en-US" sz="1200" dirty="0"/>
               <a:t>Aggregator</a:t>
             </a:r>
-            <a:endParaRPr lang="en-US" sz="1200" dirty="0"/>
           </a:p>
         </p:txBody>
       </p:sp>
@@ -5760,10 +5656,9 @@
             <a:p>
               <a:pPr algn="ctr"/>
               <a:r>
-                <a:rPr lang="en-US" sz="1200" dirty="0" smtClean="0"/>
+                <a:rPr lang="en-US" sz="1200" dirty="0"/>
                 <a:t>File Info</a:t>
               </a:r>
-              <a:endParaRPr lang="en-US" sz="1200" dirty="0"/>
             </a:p>
           </p:txBody>
         </p:sp>
@@ -5997,10 +5892,9 @@
             <a:p>
               <a:pPr algn="ctr"/>
               <a:r>
-                <a:rPr lang="en-US" sz="1200" dirty="0" smtClean="0"/>
+                <a:rPr lang="en-US" sz="1200" dirty="0"/>
                 <a:t>File results</a:t>
               </a:r>
-              <a:endParaRPr lang="en-US" sz="1200" dirty="0"/>
             </a:p>
           </p:txBody>
         </p:sp>
@@ -6274,10 +6168,9 @@
           <a:p>
             <a:pPr algn="ctr"/>
             <a:r>
-              <a:rPr lang="en-US" sz="1400" dirty="0" smtClean="0"/>
+              <a:rPr lang="en-US" sz="1400" dirty="0"/>
               <a:t>Main</a:t>
             </a:r>
-            <a:endParaRPr lang="en-US" sz="1400" dirty="0"/>
           </a:p>
         </p:txBody>
       </p:sp>
@@ -6480,7 +6373,7 @@
           <a:p>
             <a:pPr algn="ctr"/>
             <a:r>
-              <a:rPr lang="en-US" sz="1200" dirty="0" err="1" smtClean="0"/>
+              <a:rPr lang="en-US" sz="1200" dirty="0" err="1"/>
               <a:t>CommitsReporter</a:t>
             </a:r>
             <a:endParaRPr lang="en-US" sz="1200" dirty="0"/>
@@ -6610,7 +6503,7 @@
           <a:p>
             <a:pPr algn="ctr"/>
             <a:r>
-              <a:rPr lang="en-US" sz="1200" dirty="0" err="1" smtClean="0"/>
+              <a:rPr lang="en-US" sz="1200" dirty="0" err="1"/>
               <a:t>AuthorshipReporter</a:t>
             </a:r>
             <a:endParaRPr lang="en-US" sz="1200" dirty="0"/>
@@ -6790,10 +6683,9 @@
           <a:lstStyle/>
           <a:p>
             <a:r>
-              <a:rPr lang="en-US" sz="1200" dirty="0" smtClean="0"/>
+              <a:rPr lang="en-US" sz="1200" dirty="0"/>
               <a:t>Data flow</a:t>
             </a:r>
-            <a:endParaRPr lang="en-US" sz="1200" dirty="0"/>
           </a:p>
         </p:txBody>
       </p:sp>
@@ -6842,10 +6734,9 @@
           <a:p>
             <a:pPr algn="ctr"/>
             <a:r>
-              <a:rPr lang="en-US" sz="1200" dirty="0" smtClean="0"/>
+              <a:rPr lang="en-US" sz="1200" dirty="0"/>
               <a:t>Dashboard Generator</a:t>
             </a:r>
-            <a:endParaRPr lang="en-US" sz="1200" dirty="0"/>
           </a:p>
         </p:txBody>
       </p:sp>
@@ -7004,10 +6895,9 @@
             <a:p>
               <a:pPr algn="ctr"/>
               <a:r>
-                <a:rPr lang="en-US" sz="1200" dirty="0" smtClean="0"/>
+                <a:rPr lang="en-US" sz="1200" dirty="0"/>
                 <a:t>Aggregated results </a:t>
               </a:r>
-              <a:endParaRPr lang="en-US" sz="1200" dirty="0"/>
             </a:p>
           </p:txBody>
         </p:sp>
@@ -7247,10 +7137,9 @@
           <a:p>
             <a:pPr algn="ctr"/>
             <a:r>
-              <a:rPr lang="en-US" sz="1200" dirty="0" smtClean="0"/>
+              <a:rPr lang="en-US" sz="1200" dirty="0"/>
               <a:t>Model</a:t>
             </a:r>
-            <a:endParaRPr lang="en-US" sz="1200" dirty="0"/>
           </a:p>
         </p:txBody>
       </p:sp>
@@ -7299,10 +7188,9 @@
           <a:p>
             <a:pPr algn="ctr"/>
             <a:r>
-              <a:rPr lang="en-US" sz="1200" dirty="0" smtClean="0"/>
+              <a:rPr lang="en-US" sz="1200" dirty="0"/>
               <a:t>System</a:t>
             </a:r>
-            <a:endParaRPr lang="en-US" sz="1200" dirty="0"/>
           </a:p>
         </p:txBody>
       </p:sp>
